--- a/打磚塊.pptx
+++ b/打磚塊.pptx
@@ -5,14 +5,15 @@
     <p:sldMasterId id="2147483746" r:id="rId1"/>
   </p:sldMasterIdLst>
   <p:notesMasterIdLst>
-    <p:notesMasterId r:id="rId4"/>
+    <p:notesMasterId r:id="rId5"/>
   </p:notesMasterIdLst>
   <p:handoutMasterIdLst>
-    <p:handoutMasterId r:id="rId5"/>
+    <p:handoutMasterId r:id="rId6"/>
   </p:handoutMasterIdLst>
   <p:sldIdLst>
     <p:sldId id="257" r:id="rId2"/>
     <p:sldId id="259" r:id="rId3"/>
+    <p:sldId id="260" r:id="rId4"/>
   </p:sldIdLst>
   <p:sldSz cx="12192000" cy="6858000"/>
   <p:notesSz cx="6858000" cy="9144000"/>
@@ -206,7 +207,7 @@
             <a:pPr rtl="0"/>
             <a:fld id="{550261E5-B7A8-407C-8EC1-76B17CEB3BFC}" type="datetime1">
               <a:rPr lang="zh-TW" altLang="en-US" smtClean="0"/>
-              <a:t>2024/4/22</a:t>
+              <a:t>2024/4/23</a:t>
             </a:fld>
             <a:endParaRPr lang="en-US" dirty="0"/>
           </a:p>
@@ -376,7 +377,7 @@
             <a:pPr rtl="0"/>
             <a:fld id="{950AEE62-6B03-446E-B028-1F2C67AA2CBE}" type="datetime1">
               <a:rPr lang="zh-TW" altLang="en-US" smtClean="0"/>
-              <a:t>2024/4/22</a:t>
+              <a:t>2024/4/23</a:t>
             </a:fld>
             <a:endParaRPr lang="en-US"/>
           </a:p>
@@ -896,7 +897,7 @@
             <a:pPr rtl="0"/>
             <a:fld id="{91E8D126-38DE-467F-A065-2775F6C58740}" type="datetime1">
               <a:rPr lang="zh-TW" altLang="en-US" smtClean="0"/>
-              <a:t>2024/4/22</a:t>
+              <a:t>2024/4/23</a:t>
             </a:fld>
             <a:endParaRPr lang="en-US" dirty="0"/>
           </a:p>
@@ -1088,7 +1089,7 @@
             <a:pPr rtl="0"/>
             <a:fld id="{7AD90E0D-C35F-4A14-A7E8-7670CE6639F2}" type="datetime1">
               <a:rPr lang="zh-TW" altLang="en-US" smtClean="0"/>
-              <a:t>2024/4/22</a:t>
+              <a:t>2024/4/23</a:t>
             </a:fld>
             <a:endParaRPr lang="en-US" dirty="0"/>
           </a:p>
@@ -1334,7 +1335,7 @@
             <a:pPr rtl="0"/>
             <a:fld id="{E2E02858-A2D1-43A3-9BDC-80D1F48AA51B}" type="datetime1">
               <a:rPr lang="zh-TW" altLang="en-US" smtClean="0"/>
-              <a:t>2024/4/22</a:t>
+              <a:t>2024/4/23</a:t>
             </a:fld>
             <a:endParaRPr lang="en-US" dirty="0"/>
           </a:p>
@@ -1526,7 +1527,7 @@
             <a:pPr rtl="0"/>
             <a:fld id="{A55B7815-05FA-48A0-B9F7-1E04C4F2927A}" type="datetime1">
               <a:rPr lang="zh-TW" altLang="en-US" smtClean="0"/>
-              <a:t>2024/4/22</a:t>
+              <a:t>2024/4/23</a:t>
             </a:fld>
             <a:endParaRPr lang="en-US" dirty="0"/>
           </a:p>
@@ -1903,7 +1904,7 @@
             <a:pPr rtl="0"/>
             <a:fld id="{3FBF2AB9-D521-429F-BA9E-A2DD356AF2DF}" type="datetime1">
               <a:rPr lang="zh-TW" altLang="en-US" smtClean="0"/>
-              <a:t>2024/4/22</a:t>
+              <a:t>2024/4/23</a:t>
             </a:fld>
             <a:endParaRPr lang="en-US" dirty="0"/>
           </a:p>
@@ -2162,7 +2163,7 @@
             <a:pPr rtl="0"/>
             <a:fld id="{E748A74C-3BFC-4F64-9D88-E80E3E32994C}" type="datetime1">
               <a:rPr lang="zh-TW" altLang="en-US" smtClean="0"/>
-              <a:t>2024/4/22</a:t>
+              <a:t>2024/4/23</a:t>
             </a:fld>
             <a:endParaRPr lang="en-US" dirty="0"/>
           </a:p>
@@ -2563,7 +2564,7 @@
             <a:pPr rtl="0"/>
             <a:fld id="{C0166BAE-2749-48CF-A2DD-C010F9F8CC67}" type="datetime1">
               <a:rPr lang="zh-TW" altLang="en-US" smtClean="0"/>
-              <a:t>2024/4/22</a:t>
+              <a:t>2024/4/23</a:t>
             </a:fld>
             <a:endParaRPr lang="en-US" dirty="0"/>
           </a:p>
@@ -2703,7 +2704,7 @@
             <a:pPr rtl="0"/>
             <a:fld id="{42EB3E87-0960-43A6-B33B-AB6B15A82628}" type="datetime1">
               <a:rPr lang="zh-TW" altLang="en-US" smtClean="0"/>
-              <a:t>2024/4/22</a:t>
+              <a:t>2024/4/23</a:t>
             </a:fld>
             <a:endParaRPr lang="en-US" dirty="0"/>
           </a:p>
@@ -2863,7 +2864,7 @@
             <a:pPr rtl="0"/>
             <a:fld id="{0A92F8F0-693D-4EF4-BEF5-7FD95F4C1D80}" type="datetime1">
               <a:rPr lang="zh-TW" altLang="en-US" smtClean="0"/>
-              <a:t>2024/4/22</a:t>
+              <a:t>2024/4/23</a:t>
             </a:fld>
             <a:endParaRPr lang="en-US" dirty="0"/>
           </a:p>
@@ -3196,7 +3197,7 @@
             <a:pPr rtl="0"/>
             <a:fld id="{4E96419C-65CA-4A96-8C8D-1B83D1EEA06C}" type="datetime1">
               <a:rPr lang="zh-TW" altLang="en-US" smtClean="0"/>
-              <a:t>2024/4/22</a:t>
+              <a:t>2024/4/23</a:t>
             </a:fld>
             <a:endParaRPr lang="en-US" dirty="0"/>
           </a:p>
@@ -3551,7 +3552,7 @@
             <a:pPr rtl="0"/>
             <a:fld id="{55B0D56E-A8D9-4835-9121-D0F2B7B922B1}" type="datetime1">
               <a:rPr lang="zh-TW" altLang="en-US" smtClean="0"/>
-              <a:t>2024/4/22</a:t>
+              <a:t>2024/4/23</a:t>
             </a:fld>
             <a:endParaRPr lang="en-US" dirty="0"/>
           </a:p>
@@ -3816,7 +3817,7 @@
           <a:p>
             <a:fld id="{86D72111-2BF8-49E3-AA06-55BC47AB46EA}" type="datetime1">
               <a:rPr lang="zh-TW" altLang="en-US" smtClean="0"/>
-              <a:t>2024/4/22</a:t>
+              <a:t>2024/4/23</a:t>
             </a:fld>
             <a:endParaRPr lang="en-US" dirty="0"/>
           </a:p>
@@ -4668,7 +4669,7 @@
             <a:pPr rtl="0"/>
             <a:fld id="{A55B7815-05FA-48A0-B9F7-1E04C4F2927A}" type="datetime1">
               <a:rPr lang="zh-TW" altLang="en-US" smtClean="0"/>
-              <a:t>2024/4/22</a:t>
+              <a:t>2024/4/23</a:t>
             </a:fld>
             <a:endParaRPr lang="en-US" dirty="0"/>
           </a:p>
@@ -4717,10 +4718,9 @@
           <a:p>
             <a:pPr algn="ctr"/>
             <a:r>
-              <a:rPr lang="en-US" altLang="zh-TW" dirty="0"/>
-              <a:t>Breakdown</a:t>
-            </a:r>
-            <a:endParaRPr lang="zh-TW" altLang="en-US" dirty="0"/>
+              <a:rPr lang="zh-TW" altLang="en-US" dirty="0"/>
+              <a:t>打磚塊</a:t>
+            </a:r>
           </a:p>
         </p:txBody>
       </p:sp>
@@ -5995,6 +5995,1847 @@
     <p:extLst>
       <p:ext uri="{BB962C8B-B14F-4D97-AF65-F5344CB8AC3E}">
         <p14:creationId xmlns:p14="http://schemas.microsoft.com/office/powerpoint/2010/main" val="2756983887"/>
+      </p:ext>
+    </p:extLst>
+  </p:cSld>
+  <p:clrMapOvr>
+    <a:masterClrMapping/>
+  </p:clrMapOvr>
+</p:sld>
+</file>
+
+<file path=ppt/slides/slide3.xml><?xml version="1.0" encoding="utf-8"?>
+<p:sld xmlns:a="http://schemas.openxmlformats.org/drawingml/2006/main" xmlns:r="http://schemas.openxmlformats.org/officeDocument/2006/relationships" xmlns:p="http://schemas.openxmlformats.org/presentationml/2006/main">
+  <p:cSld>
+    <p:spTree>
+      <p:nvGrpSpPr>
+        <p:cNvPr id="1" name=""/>
+        <p:cNvGrpSpPr/>
+        <p:nvPr/>
+      </p:nvGrpSpPr>
+      <p:grpSpPr>
+        <a:xfrm>
+          <a:off x="0" y="0"/>
+          <a:ext cx="0" cy="0"/>
+          <a:chOff x="0" y="0"/>
+          <a:chExt cx="0" cy="0"/>
+        </a:xfrm>
+      </p:grpSpPr>
+      <p:sp>
+        <p:nvSpPr>
+          <p:cNvPr id="2" name="標題 1">
+            <a:extLst>
+              <a:ext uri="{FF2B5EF4-FFF2-40B4-BE49-F238E27FC236}">
+                <a16:creationId xmlns:a16="http://schemas.microsoft.com/office/drawing/2014/main" id="{6762CE3C-D854-41B2-04AA-35D880A0BCC9}"/>
+              </a:ext>
+            </a:extLst>
+          </p:cNvPr>
+          <p:cNvSpPr>
+            <a:spLocks noGrp="1"/>
+          </p:cNvSpPr>
+          <p:nvPr>
+            <p:ph type="title"/>
+          </p:nvPr>
+        </p:nvSpPr>
+        <p:spPr/>
+        <p:txBody>
+          <a:bodyPr/>
+          <a:lstStyle/>
+          <a:p>
+            <a:r>
+              <a:rPr lang="en-US" altLang="zh-TW" dirty="0">
+                <a:latin typeface="Times New Roman" panose="02020603050405020304" pitchFamily="18" charset="0"/>
+              </a:rPr>
+              <a:t>Breakdown</a:t>
+            </a:r>
+            <a:endParaRPr lang="zh-TW" altLang="en-US" dirty="0"/>
+          </a:p>
+        </p:txBody>
+      </p:sp>
+      <p:sp>
+        <p:nvSpPr>
+          <p:cNvPr id="4" name="日期版面配置區 3">
+            <a:extLst>
+              <a:ext uri="{FF2B5EF4-FFF2-40B4-BE49-F238E27FC236}">
+                <a16:creationId xmlns:a16="http://schemas.microsoft.com/office/drawing/2014/main" id="{C9757B09-C933-07C8-454C-8E69F7F529E2}"/>
+              </a:ext>
+            </a:extLst>
+          </p:cNvPr>
+          <p:cNvSpPr>
+            <a:spLocks noGrp="1"/>
+          </p:cNvSpPr>
+          <p:nvPr>
+            <p:ph type="dt" sz="half" idx="10"/>
+          </p:nvPr>
+        </p:nvSpPr>
+        <p:spPr/>
+        <p:txBody>
+          <a:bodyPr/>
+          <a:lstStyle/>
+          <a:p>
+            <a:pPr rtl="0"/>
+            <a:fld id="{A55B7815-05FA-48A0-B9F7-1E04C4F2927A}" type="datetime1">
+              <a:rPr lang="zh-TW" altLang="en-US" smtClean="0"/>
+              <a:t>2024/4/23</a:t>
+            </a:fld>
+            <a:endParaRPr lang="en-US" dirty="0"/>
+          </a:p>
+        </p:txBody>
+      </p:sp>
+      <p:sp>
+        <p:nvSpPr>
+          <p:cNvPr id="5" name="日期版面配置區 3">
+            <a:extLst>
+              <a:ext uri="{FF2B5EF4-FFF2-40B4-BE49-F238E27FC236}">
+                <a16:creationId xmlns:a16="http://schemas.microsoft.com/office/drawing/2014/main" id="{57FC03E1-73CE-93CB-4B72-C35672D432D2}"/>
+              </a:ext>
+            </a:extLst>
+          </p:cNvPr>
+          <p:cNvSpPr txBox="1">
+            <a:spLocks/>
+          </p:cNvSpPr>
+          <p:nvPr/>
+        </p:nvSpPr>
+        <p:spPr>
+          <a:xfrm>
+            <a:off x="8218426" y="6446838"/>
+            <a:ext cx="2584850" cy="365125"/>
+          </a:xfrm>
+          <a:prstGeom prst="rect">
+            <a:avLst/>
+          </a:prstGeom>
+        </p:spPr>
+        <p:txBody>
+          <a:bodyPr vert="horz" lIns="91440" tIns="45720" rIns="91440" bIns="45720" rtlCol="0" anchor="ctr"/>
+          <a:lstStyle>
+            <a:defPPr rtl="0">
+              <a:defRPr lang="zh-tw"/>
+            </a:defPPr>
+            <a:lvl1pPr marL="0" algn="r" defTabSz="914400" rtl="0" eaLnBrk="1" latinLnBrk="0" hangingPunct="1">
+              <a:defRPr sz="800" kern="1200">
+                <a:solidFill>
+                  <a:srgbClr val="FFFFFF"/>
+                </a:solidFill>
+                <a:latin typeface="Microsoft JhengHei UI" panose="020B0604030504040204" pitchFamily="34" charset="-120"/>
+                <a:ea typeface="Microsoft JhengHei UI" panose="020B0604030504040204" pitchFamily="34" charset="-120"/>
+                <a:cs typeface="+mn-cs"/>
+              </a:defRPr>
+            </a:lvl1pPr>
+            <a:lvl2pPr marL="457200" algn="l" defTabSz="914400" rtl="0" eaLnBrk="1" latinLnBrk="0" hangingPunct="1">
+              <a:defRPr sz="1800" kern="1200">
+                <a:solidFill>
+                  <a:schemeClr val="tx1"/>
+                </a:solidFill>
+                <a:latin typeface="+mn-lt"/>
+                <a:ea typeface="+mn-ea"/>
+                <a:cs typeface="+mn-cs"/>
+              </a:defRPr>
+            </a:lvl2pPr>
+            <a:lvl3pPr marL="914400" algn="l" defTabSz="914400" rtl="0" eaLnBrk="1" latinLnBrk="0" hangingPunct="1">
+              <a:defRPr sz="1800" kern="1200">
+                <a:solidFill>
+                  <a:schemeClr val="tx1"/>
+                </a:solidFill>
+                <a:latin typeface="+mn-lt"/>
+                <a:ea typeface="+mn-ea"/>
+                <a:cs typeface="+mn-cs"/>
+              </a:defRPr>
+            </a:lvl3pPr>
+            <a:lvl4pPr marL="1371600" algn="l" defTabSz="914400" rtl="0" eaLnBrk="1" latinLnBrk="0" hangingPunct="1">
+              <a:defRPr sz="1800" kern="1200">
+                <a:solidFill>
+                  <a:schemeClr val="tx1"/>
+                </a:solidFill>
+                <a:latin typeface="+mn-lt"/>
+                <a:ea typeface="+mn-ea"/>
+                <a:cs typeface="+mn-cs"/>
+              </a:defRPr>
+            </a:lvl4pPr>
+            <a:lvl5pPr marL="1828800" algn="l" defTabSz="914400" rtl="0" eaLnBrk="1" latinLnBrk="0" hangingPunct="1">
+              <a:defRPr sz="1800" kern="1200">
+                <a:solidFill>
+                  <a:schemeClr val="tx1"/>
+                </a:solidFill>
+                <a:latin typeface="+mn-lt"/>
+                <a:ea typeface="+mn-ea"/>
+                <a:cs typeface="+mn-cs"/>
+              </a:defRPr>
+            </a:lvl5pPr>
+            <a:lvl6pPr marL="2286000" algn="l" defTabSz="914400" rtl="0" eaLnBrk="1" latinLnBrk="0" hangingPunct="1">
+              <a:defRPr sz="1800" kern="1200">
+                <a:solidFill>
+                  <a:schemeClr val="tx1"/>
+                </a:solidFill>
+                <a:latin typeface="+mn-lt"/>
+                <a:ea typeface="+mn-ea"/>
+                <a:cs typeface="+mn-cs"/>
+              </a:defRPr>
+            </a:lvl6pPr>
+            <a:lvl7pPr marL="2743200" algn="l" defTabSz="914400" rtl="0" eaLnBrk="1" latinLnBrk="0" hangingPunct="1">
+              <a:defRPr sz="1800" kern="1200">
+                <a:solidFill>
+                  <a:schemeClr val="tx1"/>
+                </a:solidFill>
+                <a:latin typeface="+mn-lt"/>
+                <a:ea typeface="+mn-ea"/>
+                <a:cs typeface="+mn-cs"/>
+              </a:defRPr>
+            </a:lvl7pPr>
+            <a:lvl8pPr marL="3200400" algn="l" defTabSz="914400" rtl="0" eaLnBrk="1" latinLnBrk="0" hangingPunct="1">
+              <a:defRPr sz="1800" kern="1200">
+                <a:solidFill>
+                  <a:schemeClr val="tx1"/>
+                </a:solidFill>
+                <a:latin typeface="+mn-lt"/>
+                <a:ea typeface="+mn-ea"/>
+                <a:cs typeface="+mn-cs"/>
+              </a:defRPr>
+            </a:lvl8pPr>
+            <a:lvl9pPr marL="3657600" algn="l" defTabSz="914400" rtl="0" eaLnBrk="1" latinLnBrk="0" hangingPunct="1">
+              <a:defRPr sz="1800" kern="1200">
+                <a:solidFill>
+                  <a:schemeClr val="tx1"/>
+                </a:solidFill>
+                <a:latin typeface="+mn-lt"/>
+                <a:ea typeface="+mn-ea"/>
+                <a:cs typeface="+mn-cs"/>
+              </a:defRPr>
+            </a:lvl9pPr>
+          </a:lstStyle>
+          <a:p>
+            <a:fld id="{A55B7815-05FA-48A0-B9F7-1E04C4F2927A}" type="datetime1">
+              <a:rPr lang="zh-TW" altLang="en-US" smtClean="0"/>
+              <a:pPr/>
+              <a:t>2024/4/23</a:t>
+            </a:fld>
+            <a:endParaRPr lang="en-US" dirty="0"/>
+          </a:p>
+        </p:txBody>
+      </p:sp>
+      <p:sp>
+        <p:nvSpPr>
+          <p:cNvPr id="6" name="矩形: 圓角 5">
+            <a:extLst>
+              <a:ext uri="{FF2B5EF4-FFF2-40B4-BE49-F238E27FC236}">
+                <a16:creationId xmlns:a16="http://schemas.microsoft.com/office/drawing/2014/main" id="{9AF17C99-3103-8770-9BBD-954238EE3E48}"/>
+              </a:ext>
+            </a:extLst>
+          </p:cNvPr>
+          <p:cNvSpPr/>
+          <p:nvPr/>
+        </p:nvSpPr>
+        <p:spPr>
+          <a:xfrm>
+            <a:off x="5203691" y="1973685"/>
+            <a:ext cx="1845578" cy="847288"/>
+          </a:xfrm>
+          <a:prstGeom prst="roundRect">
+            <a:avLst/>
+          </a:prstGeom>
+        </p:spPr>
+        <p:style>
+          <a:lnRef idx="2">
+            <a:schemeClr val="accent1">
+              <a:shade val="15000"/>
+            </a:schemeClr>
+          </a:lnRef>
+          <a:fillRef idx="1">
+            <a:schemeClr val="accent1"/>
+          </a:fillRef>
+          <a:effectRef idx="0">
+            <a:schemeClr val="accent1"/>
+          </a:effectRef>
+          <a:fontRef idx="minor">
+            <a:schemeClr val="lt1"/>
+          </a:fontRef>
+        </p:style>
+        <p:txBody>
+          <a:bodyPr rtlCol="0" anchor="ctr"/>
+          <a:lstStyle/>
+          <a:p>
+            <a:pPr algn="ctr"/>
+            <a:r>
+              <a:rPr lang="zh-TW" altLang="en-US" dirty="0"/>
+              <a:t>打磚塊腳本</a:t>
+            </a:r>
+          </a:p>
+        </p:txBody>
+      </p:sp>
+      <p:sp>
+        <p:nvSpPr>
+          <p:cNvPr id="7" name="矩形: 圓角 6">
+            <a:extLst>
+              <a:ext uri="{FF2B5EF4-FFF2-40B4-BE49-F238E27FC236}">
+                <a16:creationId xmlns:a16="http://schemas.microsoft.com/office/drawing/2014/main" id="{F6540F38-FAA5-D1ED-78D1-04CFCD4D12A2}"/>
+              </a:ext>
+            </a:extLst>
+          </p:cNvPr>
+          <p:cNvSpPr/>
+          <p:nvPr/>
+        </p:nvSpPr>
+        <p:spPr>
+          <a:xfrm>
+            <a:off x="9702769" y="3244616"/>
+            <a:ext cx="1845578" cy="847288"/>
+          </a:xfrm>
+          <a:prstGeom prst="roundRect">
+            <a:avLst/>
+          </a:prstGeom>
+        </p:spPr>
+        <p:style>
+          <a:lnRef idx="2">
+            <a:schemeClr val="accent2">
+              <a:shade val="15000"/>
+            </a:schemeClr>
+          </a:lnRef>
+          <a:fillRef idx="1">
+            <a:schemeClr val="accent2"/>
+          </a:fillRef>
+          <a:effectRef idx="0">
+            <a:schemeClr val="accent2"/>
+          </a:effectRef>
+          <a:fontRef idx="minor">
+            <a:schemeClr val="lt1"/>
+          </a:fontRef>
+        </p:style>
+        <p:txBody>
+          <a:bodyPr rtlCol="0" anchor="ctr"/>
+          <a:lstStyle/>
+          <a:p>
+            <a:pPr algn="ctr"/>
+            <a:r>
+              <a:rPr lang="zh-TW" altLang="en-US" dirty="0"/>
+              <a:t>驗收</a:t>
+            </a:r>
+          </a:p>
+        </p:txBody>
+      </p:sp>
+      <p:sp>
+        <p:nvSpPr>
+          <p:cNvPr id="8" name="矩形: 圓角 7">
+            <a:extLst>
+              <a:ext uri="{FF2B5EF4-FFF2-40B4-BE49-F238E27FC236}">
+                <a16:creationId xmlns:a16="http://schemas.microsoft.com/office/drawing/2014/main" id="{F3324F07-6296-6A84-6700-79E4C47221E3}"/>
+              </a:ext>
+            </a:extLst>
+          </p:cNvPr>
+          <p:cNvSpPr/>
+          <p:nvPr/>
+        </p:nvSpPr>
+        <p:spPr>
+          <a:xfrm>
+            <a:off x="775209" y="3224473"/>
+            <a:ext cx="1845578" cy="847288"/>
+          </a:xfrm>
+          <a:prstGeom prst="roundRect">
+            <a:avLst/>
+          </a:prstGeom>
+        </p:spPr>
+        <p:style>
+          <a:lnRef idx="2">
+            <a:schemeClr val="accent3">
+              <a:shade val="15000"/>
+            </a:schemeClr>
+          </a:lnRef>
+          <a:fillRef idx="1">
+            <a:schemeClr val="accent3"/>
+          </a:fillRef>
+          <a:effectRef idx="0">
+            <a:schemeClr val="accent3"/>
+          </a:effectRef>
+          <a:fontRef idx="minor">
+            <a:schemeClr val="lt1"/>
+          </a:fontRef>
+        </p:style>
+        <p:txBody>
+          <a:bodyPr rtlCol="0" anchor="ctr"/>
+          <a:lstStyle/>
+          <a:p>
+            <a:pPr algn="ctr"/>
+            <a:r>
+              <a:rPr lang="en-US" altLang="zh-TW" dirty="0"/>
+              <a:t> </a:t>
+            </a:r>
+            <a:r>
+              <a:rPr lang="zh-TW" altLang="en-US" dirty="0"/>
+              <a:t>功能</a:t>
+            </a:r>
+          </a:p>
+        </p:txBody>
+      </p:sp>
+      <p:sp>
+        <p:nvSpPr>
+          <p:cNvPr id="9" name="矩形: 圓角 8">
+            <a:extLst>
+              <a:ext uri="{FF2B5EF4-FFF2-40B4-BE49-F238E27FC236}">
+                <a16:creationId xmlns:a16="http://schemas.microsoft.com/office/drawing/2014/main" id="{FC2AE681-AD5D-3F52-ACD6-3441EEC7CB36}"/>
+              </a:ext>
+            </a:extLst>
+          </p:cNvPr>
+          <p:cNvSpPr/>
+          <p:nvPr/>
+        </p:nvSpPr>
+        <p:spPr>
+          <a:xfrm>
+            <a:off x="4119866" y="3244617"/>
+            <a:ext cx="1845578" cy="847288"/>
+          </a:xfrm>
+          <a:prstGeom prst="roundRect">
+            <a:avLst/>
+          </a:prstGeom>
+        </p:spPr>
+        <p:style>
+          <a:lnRef idx="2">
+            <a:schemeClr val="accent4">
+              <a:shade val="15000"/>
+            </a:schemeClr>
+          </a:lnRef>
+          <a:fillRef idx="1">
+            <a:schemeClr val="accent4"/>
+          </a:fillRef>
+          <a:effectRef idx="0">
+            <a:schemeClr val="accent4"/>
+          </a:effectRef>
+          <a:fontRef idx="minor">
+            <a:schemeClr val="lt1"/>
+          </a:fontRef>
+        </p:style>
+        <p:txBody>
+          <a:bodyPr rtlCol="0" anchor="ctr"/>
+          <a:lstStyle/>
+          <a:p>
+            <a:pPr algn="ctr"/>
+            <a:r>
+              <a:rPr lang="zh-TW" altLang="en-US" dirty="0"/>
+              <a:t>效能</a:t>
+            </a:r>
+          </a:p>
+        </p:txBody>
+      </p:sp>
+      <p:sp>
+        <p:nvSpPr>
+          <p:cNvPr id="10" name="矩形: 圓角 9">
+            <a:extLst>
+              <a:ext uri="{FF2B5EF4-FFF2-40B4-BE49-F238E27FC236}">
+                <a16:creationId xmlns:a16="http://schemas.microsoft.com/office/drawing/2014/main" id="{CA0A4D6E-1E11-DFDF-D2EC-F989C93A2CF7}"/>
+              </a:ext>
+            </a:extLst>
+          </p:cNvPr>
+          <p:cNvSpPr/>
+          <p:nvPr/>
+        </p:nvSpPr>
+        <p:spPr>
+          <a:xfrm>
+            <a:off x="6836432" y="3244617"/>
+            <a:ext cx="1845578" cy="847288"/>
+          </a:xfrm>
+          <a:prstGeom prst="roundRect">
+            <a:avLst/>
+          </a:prstGeom>
+        </p:spPr>
+        <p:style>
+          <a:lnRef idx="2">
+            <a:schemeClr val="accent6">
+              <a:shade val="15000"/>
+            </a:schemeClr>
+          </a:lnRef>
+          <a:fillRef idx="1">
+            <a:schemeClr val="accent6"/>
+          </a:fillRef>
+          <a:effectRef idx="0">
+            <a:schemeClr val="accent6"/>
+          </a:effectRef>
+          <a:fontRef idx="minor">
+            <a:schemeClr val="lt1"/>
+          </a:fontRef>
+        </p:style>
+        <p:txBody>
+          <a:bodyPr rtlCol="0" anchor="ctr"/>
+          <a:lstStyle/>
+          <a:p>
+            <a:pPr algn="ctr"/>
+            <a:r>
+              <a:rPr lang="zh-TW" altLang="en-US" dirty="0"/>
+              <a:t>介面</a:t>
+            </a:r>
+          </a:p>
+        </p:txBody>
+      </p:sp>
+      <p:cxnSp>
+        <p:nvCxnSpPr>
+          <p:cNvPr id="11" name="接點: 肘形 10">
+            <a:extLst>
+              <a:ext uri="{FF2B5EF4-FFF2-40B4-BE49-F238E27FC236}">
+                <a16:creationId xmlns:a16="http://schemas.microsoft.com/office/drawing/2014/main" id="{A3A85195-9CA2-23E5-C023-62DF8EAC19B8}"/>
+              </a:ext>
+            </a:extLst>
+          </p:cNvPr>
+          <p:cNvCxnSpPr>
+            <a:stCxn id="6" idx="2"/>
+            <a:endCxn id="7" idx="0"/>
+          </p:cNvCxnSpPr>
+          <p:nvPr/>
+        </p:nvCxnSpPr>
+        <p:spPr>
+          <a:xfrm rot="16200000" flipH="1">
+            <a:off x="8164198" y="783255"/>
+            <a:ext cx="423643" cy="4499078"/>
+          </a:xfrm>
+          <a:prstGeom prst="bentConnector3">
+            <a:avLst>
+              <a:gd name="adj1" fmla="val 50000"/>
+            </a:avLst>
+          </a:prstGeom>
+          <a:ln>
+            <a:tailEnd type="triangle"/>
+          </a:ln>
+        </p:spPr>
+        <p:style>
+          <a:lnRef idx="1">
+            <a:schemeClr val="accent1"/>
+          </a:lnRef>
+          <a:fillRef idx="0">
+            <a:schemeClr val="accent1"/>
+          </a:fillRef>
+          <a:effectRef idx="0">
+            <a:schemeClr val="accent1"/>
+          </a:effectRef>
+          <a:fontRef idx="minor">
+            <a:schemeClr val="tx1"/>
+          </a:fontRef>
+        </p:style>
+      </p:cxnSp>
+      <p:cxnSp>
+        <p:nvCxnSpPr>
+          <p:cNvPr id="12" name="接點: 肘形 11">
+            <a:extLst>
+              <a:ext uri="{FF2B5EF4-FFF2-40B4-BE49-F238E27FC236}">
+                <a16:creationId xmlns:a16="http://schemas.microsoft.com/office/drawing/2014/main" id="{B8911F28-6EFC-0108-8A21-4513BF2B4B6D}"/>
+              </a:ext>
+            </a:extLst>
+          </p:cNvPr>
+          <p:cNvCxnSpPr>
+            <a:cxnSpLocks/>
+            <a:stCxn id="6" idx="2"/>
+            <a:endCxn id="8" idx="0"/>
+          </p:cNvCxnSpPr>
+          <p:nvPr/>
+        </p:nvCxnSpPr>
+        <p:spPr>
+          <a:xfrm rot="5400000">
+            <a:off x="3710489" y="808482"/>
+            <a:ext cx="403500" cy="4428482"/>
+          </a:xfrm>
+          <a:prstGeom prst="bentConnector3">
+            <a:avLst/>
+          </a:prstGeom>
+          <a:ln>
+            <a:tailEnd type="triangle"/>
+          </a:ln>
+        </p:spPr>
+        <p:style>
+          <a:lnRef idx="1">
+            <a:schemeClr val="accent1"/>
+          </a:lnRef>
+          <a:fillRef idx="0">
+            <a:schemeClr val="accent1"/>
+          </a:fillRef>
+          <a:effectRef idx="0">
+            <a:schemeClr val="accent1"/>
+          </a:effectRef>
+          <a:fontRef idx="minor">
+            <a:schemeClr val="tx1"/>
+          </a:fontRef>
+        </p:style>
+      </p:cxnSp>
+      <p:cxnSp>
+        <p:nvCxnSpPr>
+          <p:cNvPr id="13" name="接點: 肘形 12">
+            <a:extLst>
+              <a:ext uri="{FF2B5EF4-FFF2-40B4-BE49-F238E27FC236}">
+                <a16:creationId xmlns:a16="http://schemas.microsoft.com/office/drawing/2014/main" id="{527F9BA0-BBDD-27CC-9683-35EC46226037}"/>
+              </a:ext>
+            </a:extLst>
+          </p:cNvPr>
+          <p:cNvCxnSpPr>
+            <a:stCxn id="6" idx="2"/>
+            <a:endCxn id="9" idx="0"/>
+          </p:cNvCxnSpPr>
+          <p:nvPr/>
+        </p:nvCxnSpPr>
+        <p:spPr>
+          <a:xfrm rot="5400000">
+            <a:off x="5372746" y="2490883"/>
+            <a:ext cx="423644" cy="1083825"/>
+          </a:xfrm>
+          <a:prstGeom prst="bentConnector3">
+            <a:avLst/>
+          </a:prstGeom>
+          <a:ln>
+            <a:tailEnd type="triangle"/>
+          </a:ln>
+        </p:spPr>
+        <p:style>
+          <a:lnRef idx="1">
+            <a:schemeClr val="accent1"/>
+          </a:lnRef>
+          <a:fillRef idx="0">
+            <a:schemeClr val="accent1"/>
+          </a:fillRef>
+          <a:effectRef idx="0">
+            <a:schemeClr val="accent1"/>
+          </a:effectRef>
+          <a:fontRef idx="minor">
+            <a:schemeClr val="tx1"/>
+          </a:fontRef>
+        </p:style>
+      </p:cxnSp>
+      <p:cxnSp>
+        <p:nvCxnSpPr>
+          <p:cNvPr id="14" name="接點: 肘形 13">
+            <a:extLst>
+              <a:ext uri="{FF2B5EF4-FFF2-40B4-BE49-F238E27FC236}">
+                <a16:creationId xmlns:a16="http://schemas.microsoft.com/office/drawing/2014/main" id="{D61CA8E6-E9B7-4BC4-5F8C-E91FC7925446}"/>
+              </a:ext>
+            </a:extLst>
+          </p:cNvPr>
+          <p:cNvCxnSpPr>
+            <a:stCxn id="6" idx="2"/>
+            <a:endCxn id="10" idx="0"/>
+          </p:cNvCxnSpPr>
+          <p:nvPr/>
+        </p:nvCxnSpPr>
+        <p:spPr>
+          <a:xfrm rot="16200000" flipH="1">
+            <a:off x="6731028" y="2216424"/>
+            <a:ext cx="423644" cy="1632741"/>
+          </a:xfrm>
+          <a:prstGeom prst="bentConnector3">
+            <a:avLst/>
+          </a:prstGeom>
+          <a:ln>
+            <a:tailEnd type="triangle"/>
+          </a:ln>
+        </p:spPr>
+        <p:style>
+          <a:lnRef idx="1">
+            <a:schemeClr val="accent1"/>
+          </a:lnRef>
+          <a:fillRef idx="0">
+            <a:schemeClr val="accent1"/>
+          </a:fillRef>
+          <a:effectRef idx="0">
+            <a:schemeClr val="accent1"/>
+          </a:effectRef>
+          <a:fontRef idx="minor">
+            <a:schemeClr val="tx1"/>
+          </a:fontRef>
+        </p:style>
+      </p:cxnSp>
+      <p:sp>
+        <p:nvSpPr>
+          <p:cNvPr id="15" name="矩形: 圓角 14">
+            <a:extLst>
+              <a:ext uri="{FF2B5EF4-FFF2-40B4-BE49-F238E27FC236}">
+                <a16:creationId xmlns:a16="http://schemas.microsoft.com/office/drawing/2014/main" id="{DA52F429-F756-BECA-175C-1BFE514B8F68}"/>
+              </a:ext>
+            </a:extLst>
+          </p:cNvPr>
+          <p:cNvSpPr/>
+          <p:nvPr/>
+        </p:nvSpPr>
+        <p:spPr>
+          <a:xfrm>
+            <a:off x="11198464" y="4244999"/>
+            <a:ext cx="976042" cy="548799"/>
+          </a:xfrm>
+          <a:prstGeom prst="roundRect">
+            <a:avLst/>
+          </a:prstGeom>
+          <a:solidFill>
+            <a:schemeClr val="accent2">
+              <a:lumMod val="75000"/>
+            </a:schemeClr>
+          </a:solidFill>
+        </p:spPr>
+        <p:style>
+          <a:lnRef idx="2">
+            <a:schemeClr val="accent2">
+              <a:shade val="15000"/>
+            </a:schemeClr>
+          </a:lnRef>
+          <a:fillRef idx="1">
+            <a:schemeClr val="accent2"/>
+          </a:fillRef>
+          <a:effectRef idx="0">
+            <a:schemeClr val="accent2"/>
+          </a:effectRef>
+          <a:fontRef idx="minor">
+            <a:schemeClr val="lt1"/>
+          </a:fontRef>
+        </p:style>
+        <p:txBody>
+          <a:bodyPr rtlCol="0" anchor="ctr"/>
+          <a:lstStyle/>
+          <a:p>
+            <a:pPr algn="ctr"/>
+            <a:r>
+              <a:rPr lang="zh-TW" altLang="en-US" dirty="0"/>
+              <a:t>效能是否達標</a:t>
+            </a:r>
+          </a:p>
+        </p:txBody>
+      </p:sp>
+      <p:sp>
+        <p:nvSpPr>
+          <p:cNvPr id="16" name="矩形: 圓角 15">
+            <a:extLst>
+              <a:ext uri="{FF2B5EF4-FFF2-40B4-BE49-F238E27FC236}">
+                <a16:creationId xmlns:a16="http://schemas.microsoft.com/office/drawing/2014/main" id="{6EE3F256-2337-A5A1-9E62-08F92B6D1263}"/>
+              </a:ext>
+            </a:extLst>
+          </p:cNvPr>
+          <p:cNvSpPr/>
+          <p:nvPr/>
+        </p:nvSpPr>
+        <p:spPr>
+          <a:xfrm>
+            <a:off x="11223849" y="4969837"/>
+            <a:ext cx="976042" cy="548799"/>
+          </a:xfrm>
+          <a:prstGeom prst="roundRect">
+            <a:avLst/>
+          </a:prstGeom>
+          <a:solidFill>
+            <a:schemeClr val="accent2">
+              <a:lumMod val="75000"/>
+            </a:schemeClr>
+          </a:solidFill>
+        </p:spPr>
+        <p:style>
+          <a:lnRef idx="2">
+            <a:schemeClr val="accent2">
+              <a:shade val="15000"/>
+            </a:schemeClr>
+          </a:lnRef>
+          <a:fillRef idx="1">
+            <a:schemeClr val="accent2"/>
+          </a:fillRef>
+          <a:effectRef idx="0">
+            <a:schemeClr val="accent2"/>
+          </a:effectRef>
+          <a:fontRef idx="minor">
+            <a:schemeClr val="lt1"/>
+          </a:fontRef>
+        </p:style>
+        <p:txBody>
+          <a:bodyPr rtlCol="0" anchor="ctr"/>
+          <a:lstStyle/>
+          <a:p>
+            <a:pPr algn="ctr"/>
+            <a:r>
+              <a:rPr lang="zh-TW" altLang="en-US" dirty="0"/>
+              <a:t>預測</a:t>
+            </a:r>
+          </a:p>
+        </p:txBody>
+      </p:sp>
+      <p:sp>
+        <p:nvSpPr>
+          <p:cNvPr id="17" name="矩形: 圓角 16">
+            <a:extLst>
+              <a:ext uri="{FF2B5EF4-FFF2-40B4-BE49-F238E27FC236}">
+                <a16:creationId xmlns:a16="http://schemas.microsoft.com/office/drawing/2014/main" id="{72C685EC-EA57-84C0-E70B-ECB7F12E3FCB}"/>
+              </a:ext>
+            </a:extLst>
+          </p:cNvPr>
+          <p:cNvSpPr/>
+          <p:nvPr/>
+        </p:nvSpPr>
+        <p:spPr>
+          <a:xfrm>
+            <a:off x="11223849" y="5667880"/>
+            <a:ext cx="976042" cy="548799"/>
+          </a:xfrm>
+          <a:prstGeom prst="roundRect">
+            <a:avLst/>
+          </a:prstGeom>
+          <a:solidFill>
+            <a:schemeClr val="accent2">
+              <a:lumMod val="75000"/>
+            </a:schemeClr>
+          </a:solidFill>
+        </p:spPr>
+        <p:style>
+          <a:lnRef idx="2">
+            <a:schemeClr val="accent2">
+              <a:shade val="15000"/>
+            </a:schemeClr>
+          </a:lnRef>
+          <a:fillRef idx="1">
+            <a:schemeClr val="accent2"/>
+          </a:fillRef>
+          <a:effectRef idx="0">
+            <a:schemeClr val="accent2"/>
+          </a:effectRef>
+          <a:fontRef idx="minor">
+            <a:schemeClr val="lt1"/>
+          </a:fontRef>
+        </p:style>
+        <p:txBody>
+          <a:bodyPr rtlCol="0" anchor="ctr"/>
+          <a:lstStyle/>
+          <a:p>
+            <a:pPr algn="ctr"/>
+            <a:r>
+              <a:rPr lang="zh-TW" altLang="en-US" dirty="0"/>
+              <a:t>訓練</a:t>
+            </a:r>
+          </a:p>
+        </p:txBody>
+      </p:sp>
+      <p:cxnSp>
+        <p:nvCxnSpPr>
+          <p:cNvPr id="18" name="接點: 肘形 17">
+            <a:extLst>
+              <a:ext uri="{FF2B5EF4-FFF2-40B4-BE49-F238E27FC236}">
+                <a16:creationId xmlns:a16="http://schemas.microsoft.com/office/drawing/2014/main" id="{90C5DA17-70F0-83A7-8623-7A1042554AD4}"/>
+              </a:ext>
+            </a:extLst>
+          </p:cNvPr>
+          <p:cNvCxnSpPr>
+            <a:cxnSpLocks/>
+            <a:stCxn id="7" idx="2"/>
+            <a:endCxn id="15" idx="1"/>
+          </p:cNvCxnSpPr>
+          <p:nvPr/>
+        </p:nvCxnSpPr>
+        <p:spPr>
+          <a:xfrm rot="16200000" flipH="1">
+            <a:off x="10698264" y="4019198"/>
+            <a:ext cx="427495" cy="572906"/>
+          </a:xfrm>
+          <a:prstGeom prst="bentConnector2">
+            <a:avLst/>
+          </a:prstGeom>
+          <a:ln>
+            <a:tailEnd type="triangle"/>
+          </a:ln>
+        </p:spPr>
+        <p:style>
+          <a:lnRef idx="1">
+            <a:schemeClr val="accent2"/>
+          </a:lnRef>
+          <a:fillRef idx="0">
+            <a:schemeClr val="accent2"/>
+          </a:fillRef>
+          <a:effectRef idx="0">
+            <a:schemeClr val="accent2"/>
+          </a:effectRef>
+          <a:fontRef idx="minor">
+            <a:schemeClr val="tx1"/>
+          </a:fontRef>
+        </p:style>
+      </p:cxnSp>
+      <p:cxnSp>
+        <p:nvCxnSpPr>
+          <p:cNvPr id="19" name="接點: 肘形 18">
+            <a:extLst>
+              <a:ext uri="{FF2B5EF4-FFF2-40B4-BE49-F238E27FC236}">
+                <a16:creationId xmlns:a16="http://schemas.microsoft.com/office/drawing/2014/main" id="{30BA84B5-FBDB-0125-7F58-D5C67E27BF11}"/>
+              </a:ext>
+            </a:extLst>
+          </p:cNvPr>
+          <p:cNvCxnSpPr>
+            <a:cxnSpLocks/>
+            <a:stCxn id="7" idx="2"/>
+            <a:endCxn id="16" idx="1"/>
+          </p:cNvCxnSpPr>
+          <p:nvPr/>
+        </p:nvCxnSpPr>
+        <p:spPr>
+          <a:xfrm rot="16200000" flipH="1">
+            <a:off x="10348537" y="4368924"/>
+            <a:ext cx="1152333" cy="598291"/>
+          </a:xfrm>
+          <a:prstGeom prst="bentConnector2">
+            <a:avLst/>
+          </a:prstGeom>
+          <a:ln>
+            <a:tailEnd type="triangle"/>
+          </a:ln>
+        </p:spPr>
+        <p:style>
+          <a:lnRef idx="1">
+            <a:schemeClr val="accent2"/>
+          </a:lnRef>
+          <a:fillRef idx="0">
+            <a:schemeClr val="accent2"/>
+          </a:fillRef>
+          <a:effectRef idx="0">
+            <a:schemeClr val="accent2"/>
+          </a:effectRef>
+          <a:fontRef idx="minor">
+            <a:schemeClr val="tx1"/>
+          </a:fontRef>
+        </p:style>
+      </p:cxnSp>
+      <p:cxnSp>
+        <p:nvCxnSpPr>
+          <p:cNvPr id="20" name="接點: 肘形 19">
+            <a:extLst>
+              <a:ext uri="{FF2B5EF4-FFF2-40B4-BE49-F238E27FC236}">
+                <a16:creationId xmlns:a16="http://schemas.microsoft.com/office/drawing/2014/main" id="{803B7E91-1F95-81C9-8DE8-E550A7531101}"/>
+              </a:ext>
+            </a:extLst>
+          </p:cNvPr>
+          <p:cNvCxnSpPr>
+            <a:cxnSpLocks/>
+            <a:stCxn id="7" idx="2"/>
+            <a:endCxn id="17" idx="1"/>
+          </p:cNvCxnSpPr>
+          <p:nvPr/>
+        </p:nvCxnSpPr>
+        <p:spPr>
+          <a:xfrm rot="16200000" flipH="1">
+            <a:off x="9999515" y="4717946"/>
+            <a:ext cx="1850376" cy="598291"/>
+          </a:xfrm>
+          <a:prstGeom prst="bentConnector2">
+            <a:avLst/>
+          </a:prstGeom>
+          <a:ln>
+            <a:tailEnd type="triangle"/>
+          </a:ln>
+        </p:spPr>
+        <p:style>
+          <a:lnRef idx="1">
+            <a:schemeClr val="accent2"/>
+          </a:lnRef>
+          <a:fillRef idx="0">
+            <a:schemeClr val="accent2"/>
+          </a:fillRef>
+          <a:effectRef idx="0">
+            <a:schemeClr val="accent2"/>
+          </a:effectRef>
+          <a:fontRef idx="minor">
+            <a:schemeClr val="tx1"/>
+          </a:fontRef>
+        </p:style>
+      </p:cxnSp>
+      <p:sp>
+        <p:nvSpPr>
+          <p:cNvPr id="21" name="矩形: 圓角 20">
+            <a:extLst>
+              <a:ext uri="{FF2B5EF4-FFF2-40B4-BE49-F238E27FC236}">
+                <a16:creationId xmlns:a16="http://schemas.microsoft.com/office/drawing/2014/main" id="{A5661544-2942-DBD9-87EF-A05926B0C249}"/>
+              </a:ext>
+            </a:extLst>
+          </p:cNvPr>
+          <p:cNvSpPr/>
+          <p:nvPr/>
+        </p:nvSpPr>
+        <p:spPr>
+          <a:xfrm>
+            <a:off x="-6237" y="4340739"/>
+            <a:ext cx="1517062" cy="847288"/>
+          </a:xfrm>
+          <a:prstGeom prst="roundRect">
+            <a:avLst/>
+          </a:prstGeom>
+          <a:solidFill>
+            <a:schemeClr val="accent3">
+              <a:lumMod val="75000"/>
+            </a:schemeClr>
+          </a:solidFill>
+        </p:spPr>
+        <p:style>
+          <a:lnRef idx="2">
+            <a:schemeClr val="accent2">
+              <a:shade val="15000"/>
+            </a:schemeClr>
+          </a:lnRef>
+          <a:fillRef idx="1">
+            <a:schemeClr val="accent2"/>
+          </a:fillRef>
+          <a:effectRef idx="0">
+            <a:schemeClr val="accent2"/>
+          </a:effectRef>
+          <a:fontRef idx="minor">
+            <a:schemeClr val="lt1"/>
+          </a:fontRef>
+        </p:style>
+        <p:txBody>
+          <a:bodyPr rtlCol="0" anchor="ctr"/>
+          <a:lstStyle/>
+          <a:p>
+            <a:pPr algn="ctr"/>
+            <a:r>
+              <a:rPr lang="zh-TW" altLang="en-US" dirty="0"/>
+              <a:t>球打磚塊，磚塊消失</a:t>
+            </a:r>
+          </a:p>
+        </p:txBody>
+      </p:sp>
+      <p:sp>
+        <p:nvSpPr>
+          <p:cNvPr id="22" name="矩形: 圓角 21">
+            <a:extLst>
+              <a:ext uri="{FF2B5EF4-FFF2-40B4-BE49-F238E27FC236}">
+                <a16:creationId xmlns:a16="http://schemas.microsoft.com/office/drawing/2014/main" id="{1AB99076-F4CC-375A-8B7C-4134B6D7FCC6}"/>
+              </a:ext>
+            </a:extLst>
+          </p:cNvPr>
+          <p:cNvSpPr/>
+          <p:nvPr/>
+        </p:nvSpPr>
+        <p:spPr>
+          <a:xfrm>
+            <a:off x="11780" y="5518636"/>
+            <a:ext cx="1643253" cy="847288"/>
+          </a:xfrm>
+          <a:prstGeom prst="roundRect">
+            <a:avLst/>
+          </a:prstGeom>
+          <a:solidFill>
+            <a:schemeClr val="accent3">
+              <a:lumMod val="75000"/>
+            </a:schemeClr>
+          </a:solidFill>
+        </p:spPr>
+        <p:style>
+          <a:lnRef idx="2">
+            <a:schemeClr val="accent2">
+              <a:shade val="15000"/>
+            </a:schemeClr>
+          </a:lnRef>
+          <a:fillRef idx="1">
+            <a:schemeClr val="accent2"/>
+          </a:fillRef>
+          <a:effectRef idx="0">
+            <a:schemeClr val="accent2"/>
+          </a:effectRef>
+          <a:fontRef idx="minor">
+            <a:schemeClr val="lt1"/>
+          </a:fontRef>
+        </p:style>
+        <p:txBody>
+          <a:bodyPr rtlCol="0" anchor="ctr"/>
+          <a:lstStyle/>
+          <a:p>
+            <a:pPr algn="ctr"/>
+            <a:r>
+              <a:rPr lang="zh-TW" altLang="en-US" dirty="0"/>
+              <a:t>方向鍵左右，</a:t>
+            </a:r>
+            <a:endParaRPr lang="en-US" altLang="zh-TW" dirty="0"/>
+          </a:p>
+          <a:p>
+            <a:pPr algn="ctr"/>
+            <a:r>
+              <a:rPr lang="zh-TW" altLang="en-US" dirty="0"/>
+              <a:t>控制球拍擊球</a:t>
+            </a:r>
+          </a:p>
+        </p:txBody>
+      </p:sp>
+      <p:sp>
+        <p:nvSpPr>
+          <p:cNvPr id="23" name="矩形: 圓角 22">
+            <a:extLst>
+              <a:ext uri="{FF2B5EF4-FFF2-40B4-BE49-F238E27FC236}">
+                <a16:creationId xmlns:a16="http://schemas.microsoft.com/office/drawing/2014/main" id="{21C7C8D7-C3BB-72A7-AE04-AA4A1BA7145E}"/>
+              </a:ext>
+            </a:extLst>
+          </p:cNvPr>
+          <p:cNvSpPr/>
+          <p:nvPr/>
+        </p:nvSpPr>
+        <p:spPr>
+          <a:xfrm>
+            <a:off x="2164959" y="4340582"/>
+            <a:ext cx="1517062" cy="847288"/>
+          </a:xfrm>
+          <a:prstGeom prst="roundRect">
+            <a:avLst/>
+          </a:prstGeom>
+          <a:solidFill>
+            <a:schemeClr val="accent3">
+              <a:lumMod val="75000"/>
+            </a:schemeClr>
+          </a:solidFill>
+        </p:spPr>
+        <p:style>
+          <a:lnRef idx="2">
+            <a:schemeClr val="accent2">
+              <a:shade val="15000"/>
+            </a:schemeClr>
+          </a:lnRef>
+          <a:fillRef idx="1">
+            <a:schemeClr val="accent2"/>
+          </a:fillRef>
+          <a:effectRef idx="0">
+            <a:schemeClr val="accent2"/>
+          </a:effectRef>
+          <a:fontRef idx="minor">
+            <a:schemeClr val="lt1"/>
+          </a:fontRef>
+        </p:style>
+        <p:txBody>
+          <a:bodyPr rtlCol="0" anchor="ctr"/>
+          <a:lstStyle/>
+          <a:p>
+            <a:pPr algn="ctr"/>
+            <a:r>
+              <a:rPr lang="zh-TW" altLang="en-US" dirty="0"/>
+              <a:t>蒐集樣本，</a:t>
+            </a:r>
+            <a:endParaRPr lang="en-US" altLang="zh-TW" dirty="0"/>
+          </a:p>
+          <a:p>
+            <a:pPr algn="ctr"/>
+            <a:r>
+              <a:rPr lang="zh-TW" altLang="en-US" dirty="0"/>
+              <a:t>以樣本訓練</a:t>
+            </a:r>
+          </a:p>
+        </p:txBody>
+      </p:sp>
+      <p:sp>
+        <p:nvSpPr>
+          <p:cNvPr id="24" name="矩形: 圓角 23">
+            <a:extLst>
+              <a:ext uri="{FF2B5EF4-FFF2-40B4-BE49-F238E27FC236}">
+                <a16:creationId xmlns:a16="http://schemas.microsoft.com/office/drawing/2014/main" id="{740DF3DD-9C49-A1C5-C515-85E2473CE4D0}"/>
+              </a:ext>
+            </a:extLst>
+          </p:cNvPr>
+          <p:cNvSpPr/>
+          <p:nvPr/>
+        </p:nvSpPr>
+        <p:spPr>
+          <a:xfrm>
+            <a:off x="2164959" y="5537414"/>
+            <a:ext cx="1517062" cy="847288"/>
+          </a:xfrm>
+          <a:prstGeom prst="roundRect">
+            <a:avLst/>
+          </a:prstGeom>
+          <a:solidFill>
+            <a:schemeClr val="accent3">
+              <a:lumMod val="75000"/>
+            </a:schemeClr>
+          </a:solidFill>
+        </p:spPr>
+        <p:style>
+          <a:lnRef idx="2">
+            <a:schemeClr val="accent2">
+              <a:shade val="15000"/>
+            </a:schemeClr>
+          </a:lnRef>
+          <a:fillRef idx="1">
+            <a:schemeClr val="accent2"/>
+          </a:fillRef>
+          <a:effectRef idx="0">
+            <a:schemeClr val="accent2"/>
+          </a:effectRef>
+          <a:fontRef idx="minor">
+            <a:schemeClr val="lt1"/>
+          </a:fontRef>
+        </p:style>
+        <p:txBody>
+          <a:bodyPr rtlCol="0" anchor="ctr"/>
+          <a:lstStyle/>
+          <a:p>
+            <a:pPr algn="ctr"/>
+            <a:r>
+              <a:rPr lang="zh-TW" altLang="en-US" dirty="0"/>
+              <a:t>辨識球位置，</a:t>
+            </a:r>
+            <a:endParaRPr lang="en-US" altLang="zh-TW" dirty="0"/>
+          </a:p>
+          <a:p>
+            <a:pPr algn="ctr"/>
+            <a:r>
+              <a:rPr lang="zh-TW" altLang="en-US" dirty="0"/>
+              <a:t>並操作球拍</a:t>
+            </a:r>
+          </a:p>
+        </p:txBody>
+      </p:sp>
+      <p:cxnSp>
+        <p:nvCxnSpPr>
+          <p:cNvPr id="25" name="接點: 肘形 24">
+            <a:extLst>
+              <a:ext uri="{FF2B5EF4-FFF2-40B4-BE49-F238E27FC236}">
+                <a16:creationId xmlns:a16="http://schemas.microsoft.com/office/drawing/2014/main" id="{0FE2B9D8-D270-A544-2C97-0B8656297006}"/>
+              </a:ext>
+            </a:extLst>
+          </p:cNvPr>
+          <p:cNvCxnSpPr>
+            <a:stCxn id="8" idx="2"/>
+            <a:endCxn id="21" idx="0"/>
+          </p:cNvCxnSpPr>
+          <p:nvPr/>
+        </p:nvCxnSpPr>
+        <p:spPr>
+          <a:xfrm rot="5400000">
+            <a:off x="1090657" y="3733398"/>
+            <a:ext cx="268978" cy="945704"/>
+          </a:xfrm>
+          <a:prstGeom prst="bentConnector3">
+            <a:avLst/>
+          </a:prstGeom>
+          <a:ln>
+            <a:tailEnd type="triangle"/>
+          </a:ln>
+        </p:spPr>
+        <p:style>
+          <a:lnRef idx="1">
+            <a:schemeClr val="accent3"/>
+          </a:lnRef>
+          <a:fillRef idx="0">
+            <a:schemeClr val="accent3"/>
+          </a:fillRef>
+          <a:effectRef idx="0">
+            <a:schemeClr val="accent3"/>
+          </a:effectRef>
+          <a:fontRef idx="minor">
+            <a:schemeClr val="tx1"/>
+          </a:fontRef>
+        </p:style>
+      </p:cxnSp>
+      <p:cxnSp>
+        <p:nvCxnSpPr>
+          <p:cNvPr id="26" name="接點: 肘形 25">
+            <a:extLst>
+              <a:ext uri="{FF2B5EF4-FFF2-40B4-BE49-F238E27FC236}">
+                <a16:creationId xmlns:a16="http://schemas.microsoft.com/office/drawing/2014/main" id="{E95BD600-1747-DADE-189B-316EDA671702}"/>
+              </a:ext>
+            </a:extLst>
+          </p:cNvPr>
+          <p:cNvCxnSpPr>
+            <a:cxnSpLocks/>
+            <a:stCxn id="8" idx="2"/>
+            <a:endCxn id="22" idx="0"/>
+          </p:cNvCxnSpPr>
+          <p:nvPr/>
+        </p:nvCxnSpPr>
+        <p:spPr>
+          <a:xfrm rot="5400000">
+            <a:off x="542266" y="4362903"/>
+            <a:ext cx="1446875" cy="864591"/>
+          </a:xfrm>
+          <a:prstGeom prst="bentConnector3">
+            <a:avLst>
+              <a:gd name="adj1" fmla="val 86527"/>
+            </a:avLst>
+          </a:prstGeom>
+          <a:ln>
+            <a:tailEnd type="triangle"/>
+          </a:ln>
+        </p:spPr>
+        <p:style>
+          <a:lnRef idx="1">
+            <a:schemeClr val="accent3"/>
+          </a:lnRef>
+          <a:fillRef idx="0">
+            <a:schemeClr val="accent3"/>
+          </a:fillRef>
+          <a:effectRef idx="0">
+            <a:schemeClr val="accent3"/>
+          </a:effectRef>
+          <a:fontRef idx="minor">
+            <a:schemeClr val="tx1"/>
+          </a:fontRef>
+        </p:style>
+      </p:cxnSp>
+      <p:cxnSp>
+        <p:nvCxnSpPr>
+          <p:cNvPr id="27" name="接點: 肘形 26">
+            <a:extLst>
+              <a:ext uri="{FF2B5EF4-FFF2-40B4-BE49-F238E27FC236}">
+                <a16:creationId xmlns:a16="http://schemas.microsoft.com/office/drawing/2014/main" id="{BEB3D074-2A66-78F5-807C-E169484D06DC}"/>
+              </a:ext>
+            </a:extLst>
+          </p:cNvPr>
+          <p:cNvCxnSpPr>
+            <a:stCxn id="8" idx="2"/>
+            <a:endCxn id="23" idx="0"/>
+          </p:cNvCxnSpPr>
+          <p:nvPr/>
+        </p:nvCxnSpPr>
+        <p:spPr>
+          <a:xfrm rot="16200000" flipH="1">
+            <a:off x="2176334" y="3593425"/>
+            <a:ext cx="268821" cy="1225492"/>
+          </a:xfrm>
+          <a:prstGeom prst="bentConnector3">
+            <a:avLst/>
+          </a:prstGeom>
+          <a:ln>
+            <a:tailEnd type="triangle"/>
+          </a:ln>
+        </p:spPr>
+        <p:style>
+          <a:lnRef idx="1">
+            <a:schemeClr val="accent3"/>
+          </a:lnRef>
+          <a:fillRef idx="0">
+            <a:schemeClr val="accent3"/>
+          </a:fillRef>
+          <a:effectRef idx="0">
+            <a:schemeClr val="accent3"/>
+          </a:effectRef>
+          <a:fontRef idx="minor">
+            <a:schemeClr val="tx1"/>
+          </a:fontRef>
+        </p:style>
+      </p:cxnSp>
+      <p:cxnSp>
+        <p:nvCxnSpPr>
+          <p:cNvPr id="28" name="接點: 肘形 27">
+            <a:extLst>
+              <a:ext uri="{FF2B5EF4-FFF2-40B4-BE49-F238E27FC236}">
+                <a16:creationId xmlns:a16="http://schemas.microsoft.com/office/drawing/2014/main" id="{5120E725-DAD3-9104-900A-A4E67E1E8608}"/>
+              </a:ext>
+            </a:extLst>
+          </p:cNvPr>
+          <p:cNvCxnSpPr>
+            <a:stCxn id="8" idx="2"/>
+            <a:endCxn id="24" idx="0"/>
+          </p:cNvCxnSpPr>
+          <p:nvPr/>
+        </p:nvCxnSpPr>
+        <p:spPr>
+          <a:xfrm rot="16200000" flipH="1">
+            <a:off x="1577918" y="4191841"/>
+            <a:ext cx="1465653" cy="1225492"/>
+          </a:xfrm>
+          <a:prstGeom prst="bentConnector3">
+            <a:avLst>
+              <a:gd name="adj1" fmla="val 85094"/>
+            </a:avLst>
+          </a:prstGeom>
+          <a:ln>
+            <a:tailEnd type="triangle"/>
+          </a:ln>
+        </p:spPr>
+        <p:style>
+          <a:lnRef idx="1">
+            <a:schemeClr val="accent3"/>
+          </a:lnRef>
+          <a:fillRef idx="0">
+            <a:schemeClr val="accent3"/>
+          </a:fillRef>
+          <a:effectRef idx="0">
+            <a:schemeClr val="accent3"/>
+          </a:effectRef>
+          <a:fontRef idx="minor">
+            <a:schemeClr val="tx1"/>
+          </a:fontRef>
+        </p:style>
+      </p:cxnSp>
+      <p:sp>
+        <p:nvSpPr>
+          <p:cNvPr id="29" name="矩形: 圓角 28">
+            <a:extLst>
+              <a:ext uri="{FF2B5EF4-FFF2-40B4-BE49-F238E27FC236}">
+                <a16:creationId xmlns:a16="http://schemas.microsoft.com/office/drawing/2014/main" id="{52CEA79E-C927-794B-A7E9-1BAA159D903C}"/>
+              </a:ext>
+            </a:extLst>
+          </p:cNvPr>
+          <p:cNvSpPr/>
+          <p:nvPr/>
+        </p:nvSpPr>
+        <p:spPr>
+          <a:xfrm>
+            <a:off x="4518683" y="4398093"/>
+            <a:ext cx="1047943" cy="1010224"/>
+          </a:xfrm>
+          <a:prstGeom prst="roundRect">
+            <a:avLst/>
+          </a:prstGeom>
+          <a:solidFill>
+            <a:schemeClr val="accent4">
+              <a:lumMod val="75000"/>
+            </a:schemeClr>
+          </a:solidFill>
+        </p:spPr>
+        <p:style>
+          <a:lnRef idx="2">
+            <a:schemeClr val="accent4">
+              <a:shade val="15000"/>
+            </a:schemeClr>
+          </a:lnRef>
+          <a:fillRef idx="1">
+            <a:schemeClr val="accent4"/>
+          </a:fillRef>
+          <a:effectRef idx="0">
+            <a:schemeClr val="accent4"/>
+          </a:effectRef>
+          <a:fontRef idx="minor">
+            <a:schemeClr val="lt1"/>
+          </a:fontRef>
+        </p:style>
+        <p:txBody>
+          <a:bodyPr rtlCol="0" anchor="ctr"/>
+          <a:lstStyle/>
+          <a:p>
+            <a:pPr algn="ctr"/>
+            <a:r>
+              <a:rPr lang="en-US" altLang="zh-TW" dirty="0"/>
+              <a:t>LV1~</a:t>
+            </a:r>
+          </a:p>
+          <a:p>
+            <a:pPr algn="ctr"/>
+            <a:r>
+              <a:rPr lang="en-US" altLang="zh-TW" dirty="0"/>
+              <a:t>LV20</a:t>
+            </a:r>
+          </a:p>
+        </p:txBody>
+      </p:sp>
+      <p:cxnSp>
+        <p:nvCxnSpPr>
+          <p:cNvPr id="30" name="直線單箭頭接點 29">
+            <a:extLst>
+              <a:ext uri="{FF2B5EF4-FFF2-40B4-BE49-F238E27FC236}">
+                <a16:creationId xmlns:a16="http://schemas.microsoft.com/office/drawing/2014/main" id="{4B854051-1ECD-ABFB-175B-68D9BFC8CE28}"/>
+              </a:ext>
+            </a:extLst>
+          </p:cNvPr>
+          <p:cNvCxnSpPr>
+            <a:stCxn id="9" idx="2"/>
+            <a:endCxn id="29" idx="0"/>
+          </p:cNvCxnSpPr>
+          <p:nvPr/>
+        </p:nvCxnSpPr>
+        <p:spPr>
+          <a:xfrm>
+            <a:off x="5042655" y="4091905"/>
+            <a:ext cx="0" cy="306188"/>
+          </a:xfrm>
+          <a:prstGeom prst="straightConnector1">
+            <a:avLst/>
+          </a:prstGeom>
+          <a:ln>
+            <a:tailEnd type="triangle"/>
+          </a:ln>
+        </p:spPr>
+        <p:style>
+          <a:lnRef idx="1">
+            <a:schemeClr val="accent5"/>
+          </a:lnRef>
+          <a:fillRef idx="0">
+            <a:schemeClr val="accent5"/>
+          </a:fillRef>
+          <a:effectRef idx="0">
+            <a:schemeClr val="accent5"/>
+          </a:effectRef>
+          <a:fontRef idx="minor">
+            <a:schemeClr val="tx1"/>
+          </a:fontRef>
+        </p:style>
+      </p:cxnSp>
+      <p:sp>
+        <p:nvSpPr>
+          <p:cNvPr id="31" name="矩形: 圓角 30">
+            <a:extLst>
+              <a:ext uri="{FF2B5EF4-FFF2-40B4-BE49-F238E27FC236}">
+                <a16:creationId xmlns:a16="http://schemas.microsoft.com/office/drawing/2014/main" id="{7E5A4B96-5E15-D90C-0D74-0BD95DE68099}"/>
+              </a:ext>
+            </a:extLst>
+          </p:cNvPr>
+          <p:cNvSpPr/>
+          <p:nvPr/>
+        </p:nvSpPr>
+        <p:spPr>
+          <a:xfrm>
+            <a:off x="6124001" y="4340739"/>
+            <a:ext cx="1466680" cy="723478"/>
+          </a:xfrm>
+          <a:prstGeom prst="roundRect">
+            <a:avLst/>
+          </a:prstGeom>
+        </p:spPr>
+        <p:style>
+          <a:lnRef idx="2">
+            <a:schemeClr val="accent6">
+              <a:shade val="15000"/>
+            </a:schemeClr>
+          </a:lnRef>
+          <a:fillRef idx="1">
+            <a:schemeClr val="accent6"/>
+          </a:fillRef>
+          <a:effectRef idx="0">
+            <a:schemeClr val="accent6"/>
+          </a:effectRef>
+          <a:fontRef idx="minor">
+            <a:schemeClr val="lt1"/>
+          </a:fontRef>
+        </p:style>
+        <p:txBody>
+          <a:bodyPr rtlCol="0" anchor="ctr"/>
+          <a:lstStyle/>
+          <a:p>
+            <a:pPr algn="ctr"/>
+            <a:r>
+              <a:rPr lang="zh-TW" altLang="en-US" dirty="0"/>
+              <a:t>*</a:t>
+            </a:r>
+            <a:r>
+              <a:rPr lang="en-US" altLang="zh-TW" dirty="0"/>
+              <a:t>sav</a:t>
+            </a:r>
+            <a:r>
+              <a:rPr lang="zh-TW" altLang="en-US" dirty="0"/>
+              <a:t>樣本檔</a:t>
+            </a:r>
+          </a:p>
+        </p:txBody>
+      </p:sp>
+      <p:sp>
+        <p:nvSpPr>
+          <p:cNvPr id="49" name="矩形: 圓角 48">
+            <a:extLst>
+              <a:ext uri="{FF2B5EF4-FFF2-40B4-BE49-F238E27FC236}">
+                <a16:creationId xmlns:a16="http://schemas.microsoft.com/office/drawing/2014/main" id="{B152971B-493E-F552-DE90-FA65058A4D43}"/>
+              </a:ext>
+            </a:extLst>
+          </p:cNvPr>
+          <p:cNvSpPr/>
+          <p:nvPr/>
+        </p:nvSpPr>
+        <p:spPr>
+          <a:xfrm>
+            <a:off x="6142799" y="5537414"/>
+            <a:ext cx="1466680" cy="723478"/>
+          </a:xfrm>
+          <a:prstGeom prst="roundRect">
+            <a:avLst/>
+          </a:prstGeom>
+        </p:spPr>
+        <p:style>
+          <a:lnRef idx="2">
+            <a:schemeClr val="accent6">
+              <a:shade val="15000"/>
+            </a:schemeClr>
+          </a:lnRef>
+          <a:fillRef idx="1">
+            <a:schemeClr val="accent6"/>
+          </a:fillRef>
+          <a:effectRef idx="0">
+            <a:schemeClr val="accent6"/>
+          </a:effectRef>
+          <a:fontRef idx="minor">
+            <a:schemeClr val="lt1"/>
+          </a:fontRef>
+        </p:style>
+        <p:txBody>
+          <a:bodyPr rtlCol="0" anchor="ctr"/>
+          <a:lstStyle/>
+          <a:p>
+            <a:pPr algn="ctr"/>
+            <a:r>
+              <a:rPr lang="zh-TW" altLang="en-US" dirty="0"/>
+              <a:t>存取樣本的</a:t>
+            </a:r>
+            <a:endParaRPr lang="en-US" altLang="zh-TW" dirty="0"/>
+          </a:p>
+          <a:p>
+            <a:pPr algn="ctr"/>
+            <a:r>
+              <a:rPr lang="en-US" altLang="zh-TW" dirty="0"/>
+              <a:t>APZ</a:t>
+            </a:r>
+            <a:endParaRPr lang="zh-TW" altLang="en-US" dirty="0"/>
+          </a:p>
+        </p:txBody>
+      </p:sp>
+      <p:sp>
+        <p:nvSpPr>
+          <p:cNvPr id="50" name="矩形: 圓角 49">
+            <a:extLst>
+              <a:ext uri="{FF2B5EF4-FFF2-40B4-BE49-F238E27FC236}">
+                <a16:creationId xmlns:a16="http://schemas.microsoft.com/office/drawing/2014/main" id="{A4CD1C5B-AF75-45BA-3CF5-1E5CD83BB311}"/>
+              </a:ext>
+            </a:extLst>
+          </p:cNvPr>
+          <p:cNvSpPr/>
+          <p:nvPr/>
+        </p:nvSpPr>
+        <p:spPr>
+          <a:xfrm>
+            <a:off x="7938686" y="4340739"/>
+            <a:ext cx="1466680" cy="723478"/>
+          </a:xfrm>
+          <a:prstGeom prst="roundRect">
+            <a:avLst/>
+          </a:prstGeom>
+        </p:spPr>
+        <p:style>
+          <a:lnRef idx="2">
+            <a:schemeClr val="accent6">
+              <a:shade val="15000"/>
+            </a:schemeClr>
+          </a:lnRef>
+          <a:fillRef idx="1">
+            <a:schemeClr val="accent6"/>
+          </a:fillRef>
+          <a:effectRef idx="0">
+            <a:schemeClr val="accent6"/>
+          </a:effectRef>
+          <a:fontRef idx="minor">
+            <a:schemeClr val="lt1"/>
+          </a:fontRef>
+        </p:style>
+        <p:txBody>
+          <a:bodyPr rtlCol="0" anchor="ctr"/>
+          <a:lstStyle/>
+          <a:p>
+            <a:pPr algn="ctr"/>
+            <a:r>
+              <a:rPr lang="zh-TW" altLang="en-US" dirty="0"/>
+              <a:t>手動與自動</a:t>
+            </a:r>
+            <a:endParaRPr lang="en-US" altLang="zh-TW" dirty="0"/>
+          </a:p>
+          <a:p>
+            <a:pPr algn="ctr"/>
+            <a:r>
+              <a:rPr lang="zh-TW" altLang="en-US" dirty="0"/>
+              <a:t>遊玩</a:t>
+            </a:r>
+          </a:p>
+        </p:txBody>
+      </p:sp>
+      <p:sp>
+        <p:nvSpPr>
+          <p:cNvPr id="51" name="矩形: 圓角 50">
+            <a:extLst>
+              <a:ext uri="{FF2B5EF4-FFF2-40B4-BE49-F238E27FC236}">
+                <a16:creationId xmlns:a16="http://schemas.microsoft.com/office/drawing/2014/main" id="{5A04CDE1-A50D-B8DD-9A20-7D3554439D34}"/>
+              </a:ext>
+            </a:extLst>
+          </p:cNvPr>
+          <p:cNvSpPr/>
+          <p:nvPr/>
+        </p:nvSpPr>
+        <p:spPr>
+          <a:xfrm>
+            <a:off x="7943098" y="5543729"/>
+            <a:ext cx="1466680" cy="723478"/>
+          </a:xfrm>
+          <a:prstGeom prst="roundRect">
+            <a:avLst/>
+          </a:prstGeom>
+        </p:spPr>
+        <p:style>
+          <a:lnRef idx="2">
+            <a:schemeClr val="accent6">
+              <a:shade val="15000"/>
+            </a:schemeClr>
+          </a:lnRef>
+          <a:fillRef idx="1">
+            <a:schemeClr val="accent6"/>
+          </a:fillRef>
+          <a:effectRef idx="0">
+            <a:schemeClr val="accent6"/>
+          </a:effectRef>
+          <a:fontRef idx="minor">
+            <a:schemeClr val="lt1"/>
+          </a:fontRef>
+        </p:style>
+        <p:txBody>
+          <a:bodyPr rtlCol="0" anchor="ctr"/>
+          <a:lstStyle/>
+          <a:p>
+            <a:pPr algn="ctr"/>
+            <a:r>
+              <a:rPr lang="zh-TW" altLang="en-US" dirty="0"/>
+              <a:t>訓練、預測</a:t>
+            </a:r>
+          </a:p>
+        </p:txBody>
+      </p:sp>
+      <p:cxnSp>
+        <p:nvCxnSpPr>
+          <p:cNvPr id="53" name="接點: 肘形 52">
+            <a:extLst>
+              <a:ext uri="{FF2B5EF4-FFF2-40B4-BE49-F238E27FC236}">
+                <a16:creationId xmlns:a16="http://schemas.microsoft.com/office/drawing/2014/main" id="{3FA485A8-B2C8-35D0-7B40-48722B20EDE3}"/>
+              </a:ext>
+            </a:extLst>
+          </p:cNvPr>
+          <p:cNvCxnSpPr>
+            <a:stCxn id="10" idx="2"/>
+            <a:endCxn id="31" idx="0"/>
+          </p:cNvCxnSpPr>
+          <p:nvPr/>
+        </p:nvCxnSpPr>
+        <p:spPr>
+          <a:xfrm rot="5400000">
+            <a:off x="7183864" y="3765382"/>
+            <a:ext cx="248834" cy="901880"/>
+          </a:xfrm>
+          <a:prstGeom prst="bentConnector3">
+            <a:avLst/>
+          </a:prstGeom>
+          <a:ln>
+            <a:tailEnd type="triangle"/>
+          </a:ln>
+        </p:spPr>
+        <p:style>
+          <a:lnRef idx="1">
+            <a:schemeClr val="accent5"/>
+          </a:lnRef>
+          <a:fillRef idx="0">
+            <a:schemeClr val="accent5"/>
+          </a:fillRef>
+          <a:effectRef idx="0">
+            <a:schemeClr val="accent5"/>
+          </a:effectRef>
+          <a:fontRef idx="minor">
+            <a:schemeClr val="tx1"/>
+          </a:fontRef>
+        </p:style>
+      </p:cxnSp>
+      <p:cxnSp>
+        <p:nvCxnSpPr>
+          <p:cNvPr id="55" name="接點: 肘形 54">
+            <a:extLst>
+              <a:ext uri="{FF2B5EF4-FFF2-40B4-BE49-F238E27FC236}">
+                <a16:creationId xmlns:a16="http://schemas.microsoft.com/office/drawing/2014/main" id="{6D029518-FA0D-1939-8C3A-434DC2175987}"/>
+              </a:ext>
+            </a:extLst>
+          </p:cNvPr>
+          <p:cNvCxnSpPr>
+            <a:stCxn id="10" idx="2"/>
+            <a:endCxn id="50" idx="0"/>
+          </p:cNvCxnSpPr>
+          <p:nvPr/>
+        </p:nvCxnSpPr>
+        <p:spPr>
+          <a:xfrm rot="16200000" flipH="1">
+            <a:off x="8091206" y="3759919"/>
+            <a:ext cx="248834" cy="912805"/>
+          </a:xfrm>
+          <a:prstGeom prst="bentConnector3">
+            <a:avLst/>
+          </a:prstGeom>
+          <a:ln>
+            <a:tailEnd type="triangle"/>
+          </a:ln>
+        </p:spPr>
+        <p:style>
+          <a:lnRef idx="1">
+            <a:schemeClr val="accent5"/>
+          </a:lnRef>
+          <a:fillRef idx="0">
+            <a:schemeClr val="accent5"/>
+          </a:fillRef>
+          <a:effectRef idx="0">
+            <a:schemeClr val="accent5"/>
+          </a:effectRef>
+          <a:fontRef idx="minor">
+            <a:schemeClr val="tx1"/>
+          </a:fontRef>
+        </p:style>
+      </p:cxnSp>
+      <p:cxnSp>
+        <p:nvCxnSpPr>
+          <p:cNvPr id="57" name="接點: 肘形 56">
+            <a:extLst>
+              <a:ext uri="{FF2B5EF4-FFF2-40B4-BE49-F238E27FC236}">
+                <a16:creationId xmlns:a16="http://schemas.microsoft.com/office/drawing/2014/main" id="{9386D240-C0EE-CC04-FA57-24CEAC24A6A0}"/>
+              </a:ext>
+            </a:extLst>
+          </p:cNvPr>
+          <p:cNvCxnSpPr>
+            <a:stCxn id="10" idx="2"/>
+            <a:endCxn id="49" idx="0"/>
+          </p:cNvCxnSpPr>
+          <p:nvPr/>
+        </p:nvCxnSpPr>
+        <p:spPr>
+          <a:xfrm rot="5400000">
+            <a:off x="6594926" y="4373118"/>
+            <a:ext cx="1445509" cy="883082"/>
+          </a:xfrm>
+          <a:prstGeom prst="bentConnector3">
+            <a:avLst>
+              <a:gd name="adj1" fmla="val 83660"/>
+            </a:avLst>
+          </a:prstGeom>
+          <a:ln>
+            <a:tailEnd type="triangle"/>
+          </a:ln>
+        </p:spPr>
+        <p:style>
+          <a:lnRef idx="1">
+            <a:schemeClr val="accent5"/>
+          </a:lnRef>
+          <a:fillRef idx="0">
+            <a:schemeClr val="accent5"/>
+          </a:fillRef>
+          <a:effectRef idx="0">
+            <a:schemeClr val="accent5"/>
+          </a:effectRef>
+          <a:fontRef idx="minor">
+            <a:schemeClr val="tx1"/>
+          </a:fontRef>
+        </p:style>
+      </p:cxnSp>
+      <p:cxnSp>
+        <p:nvCxnSpPr>
+          <p:cNvPr id="59" name="接點: 肘形 58">
+            <a:extLst>
+              <a:ext uri="{FF2B5EF4-FFF2-40B4-BE49-F238E27FC236}">
+                <a16:creationId xmlns:a16="http://schemas.microsoft.com/office/drawing/2014/main" id="{F69B9BCF-CF15-1CFA-8DFE-41A99100CE8A}"/>
+              </a:ext>
+            </a:extLst>
+          </p:cNvPr>
+          <p:cNvCxnSpPr>
+            <a:stCxn id="10" idx="2"/>
+            <a:endCxn id="51" idx="0"/>
+          </p:cNvCxnSpPr>
+          <p:nvPr/>
+        </p:nvCxnSpPr>
+        <p:spPr>
+          <a:xfrm rot="16200000" flipH="1">
+            <a:off x="7491917" y="4359208"/>
+            <a:ext cx="1451824" cy="917217"/>
+          </a:xfrm>
+          <a:prstGeom prst="bentConnector3">
+            <a:avLst>
+              <a:gd name="adj1" fmla="val 83514"/>
+            </a:avLst>
+          </a:prstGeom>
+          <a:ln>
+            <a:tailEnd type="triangle"/>
+          </a:ln>
+        </p:spPr>
+        <p:style>
+          <a:lnRef idx="1">
+            <a:schemeClr val="accent5"/>
+          </a:lnRef>
+          <a:fillRef idx="0">
+            <a:schemeClr val="accent5"/>
+          </a:fillRef>
+          <a:effectRef idx="0">
+            <a:schemeClr val="accent5"/>
+          </a:effectRef>
+          <a:fontRef idx="minor">
+            <a:schemeClr val="tx1"/>
+          </a:fontRef>
+        </p:style>
+      </p:cxnSp>
+    </p:spTree>
+    <p:extLst>
+      <p:ext uri="{BB962C8B-B14F-4D97-AF65-F5344CB8AC3E}">
+        <p14:creationId xmlns:p14="http://schemas.microsoft.com/office/powerpoint/2010/main" val="1723613545"/>
       </p:ext>
     </p:extLst>
   </p:cSld>
